--- a/Presentation/Presentation.pptx
+++ b/Presentation/Presentation.pptx
@@ -639,7 +639,7 @@
           <a:p>
             <a:fld id="{4F068446-54CF-4267-A5BD-FA01909E96A2}" type="datetimeFigureOut">
               <a:rPr lang="nl-NL" smtClean="0"/>
-              <a:t>11-12-2022</a:t>
+              <a:t>12-12-2022</a:t>
             </a:fld>
             <a:endParaRPr lang="nl-NL"/>
           </a:p>
@@ -804,7 +804,7 @@
           <a:p>
             <a:fld id="{35698784-F1F2-4D71-B346-94F94D5EBAA2}" type="datetimeFigureOut">
               <a:rPr lang="nl-NL" smtClean="0"/>
-              <a:t>11-12-2022</a:t>
+              <a:t>12-12-2022</a:t>
             </a:fld>
             <a:endParaRPr lang="nl-NL"/>
           </a:p>
@@ -1403,7 +1403,7 @@
           <a:p>
             <a:fld id="{928F9493-D671-4F27-99EF-9D103FC79999}" type="datetime1">
               <a:rPr lang="nl-NL" noProof="0" smtClean="0"/>
-              <a:t>11-12-2022</a:t>
+              <a:t>12-12-2022</a:t>
             </a:fld>
             <a:endParaRPr lang="en-GB" noProof="0" dirty="0"/>
           </a:p>
@@ -13702,8 +13702,26 @@
           <a:lstStyle/>
           <a:p>
             <a:r>
+              <a:rPr lang="nl-NL" dirty="0"/>
+              <a:t>W</a:t>
+            </a:r>
+            <a:r>
               <a:rPr lang="en-GB" dirty="0"/>
-              <a:t>T</a:t>
+              <a:t>hat is the main source of gas depletion in </a:t>
+            </a:r>
+            <a:br>
+              <a:rPr lang="en-GB" dirty="0"/>
+            </a:br>
+            <a:r>
+              <a:rPr lang="en-GB" dirty="0"/>
+              <a:t>open clusters?</a:t>
+            </a:r>
+          </a:p>
+          <a:p>
+            <a:pPr lvl="1"/>
+            <a:r>
+              <a:rPr lang="en-GB" dirty="0"/>
+              <a:t>We expect it to be either stellar winds or a supernova.</a:t>
             </a:r>
           </a:p>
         </p:txBody>
@@ -13944,6 +13962,66 @@
           </a:p>
         </p:txBody>
       </p:sp>
+      <p:pic>
+        <p:nvPicPr>
+          <p:cNvPr id="25" name="Afbeelding 24">
+            <a:extLst>
+              <a:ext uri="{FF2B5EF4-FFF2-40B4-BE49-F238E27FC236}">
+                <a16:creationId xmlns:a16="http://schemas.microsoft.com/office/drawing/2014/main" id="{F5C3D279-B7B5-507A-64ED-3464625FCD40}"/>
+              </a:ext>
+            </a:extLst>
+          </p:cNvPr>
+          <p:cNvPicPr>
+            <a:picLocks noChangeAspect="1"/>
+          </p:cNvPicPr>
+          <p:nvPr/>
+        </p:nvPicPr>
+        <p:blipFill>
+          <a:blip r:embed="rId2"/>
+          <a:stretch>
+            <a:fillRect/>
+          </a:stretch>
+        </p:blipFill>
+        <p:spPr>
+          <a:xfrm>
+            <a:off x="5451103" y="476672"/>
+            <a:ext cx="5976664" cy="2256660"/>
+          </a:xfrm>
+          <a:prstGeom prst="rect">
+            <a:avLst/>
+          </a:prstGeom>
+        </p:spPr>
+      </p:pic>
+      <p:pic>
+        <p:nvPicPr>
+          <p:cNvPr id="29" name="Afbeelding 28">
+            <a:extLst>
+              <a:ext uri="{FF2B5EF4-FFF2-40B4-BE49-F238E27FC236}">
+                <a16:creationId xmlns:a16="http://schemas.microsoft.com/office/drawing/2014/main" id="{2833928C-C023-685A-8B4F-C2B4B69B76BC}"/>
+              </a:ext>
+            </a:extLst>
+          </p:cNvPr>
+          <p:cNvPicPr>
+            <a:picLocks noChangeAspect="1"/>
+          </p:cNvPicPr>
+          <p:nvPr/>
+        </p:nvPicPr>
+        <p:blipFill>
+          <a:blip r:embed="rId3"/>
+          <a:stretch>
+            <a:fillRect/>
+          </a:stretch>
+        </p:blipFill>
+        <p:spPr>
+          <a:xfrm>
+            <a:off x="5030930" y="3158062"/>
+            <a:ext cx="6846641" cy="2592556"/>
+          </a:xfrm>
+          <a:prstGeom prst="rect">
+            <a:avLst/>
+          </a:prstGeom>
+        </p:spPr>
+      </p:pic>
     </p:spTree>
     <p:extLst>
       <p:ext uri="{BB962C8B-B14F-4D97-AF65-F5344CB8AC3E}">
